--- a/slides/instruction/introduction.pptx
+++ b/slides/instruction/introduction.pptx
@@ -10743,7 +10743,7 @@
           <a:p>
             <a:fld id="{E574AC39-44E6-425E-AF49-CF7D189F346F}" type="datetimeFigureOut">
               <a:rPr lang="en-US" smtClean="0"/>
-              <a:t>9/2/2020</a:t>
+              <a:t>9/7/2020</a:t>
             </a:fld>
             <a:endParaRPr lang="en-US"/>
           </a:p>
@@ -10908,7 +10908,7 @@
           <a:p>
             <a:fld id="{DF2775BC-6312-42C7-B7C5-EA6783C2D9CA}" type="datetimeFigureOut">
               <a:rPr lang="en-US" smtClean="0"/>
-              <a:t>9/2/2020</a:t>
+              <a:t>9/7/2020</a:t>
             </a:fld>
             <a:endParaRPr lang="en-US"/>
           </a:p>
@@ -11278,6 +11278,113 @@
       </p:grpSpPr>
       <p:sp>
         <p:nvSpPr>
+          <p:cNvPr id="2" name="幻灯片图像占位符 1"/>
+          <p:cNvSpPr>
+            <a:spLocks noGrp="1" noRot="1" noChangeAspect="1"/>
+          </p:cNvSpPr>
+          <p:nvPr>
+            <p:ph type="sldImg"/>
+          </p:nvPr>
+        </p:nvSpPr>
+        <p:spPr/>
+      </p:sp>
+      <p:sp>
+        <p:nvSpPr>
+          <p:cNvPr id="3" name="备注占位符 2"/>
+          <p:cNvSpPr>
+            <a:spLocks noGrp="1"/>
+          </p:cNvSpPr>
+          <p:nvPr>
+            <p:ph type="body" idx="1"/>
+          </p:nvPr>
+        </p:nvSpPr>
+        <p:spPr/>
+        <p:txBody>
+          <a:bodyPr/>
+          <a:lstStyle/>
+          <a:p>
+            <a:r>
+              <a:rPr lang="en-US" altLang="zh-CN" dirty="0"/>
+              <a:t>http://www.icl.utk.edu/</a:t>
+            </a:r>
+          </a:p>
+          <a:p>
+            <a:r>
+              <a:rPr lang="en-US" altLang="zh-CN" dirty="0"/>
+              <a:t>http://icl.cs.utk.edu/lapack-forum/</a:t>
+            </a:r>
+          </a:p>
+          <a:p>
+            <a:r>
+              <a:rPr lang="en-US" altLang="zh-CN" dirty="0"/>
+              <a:t>Jack </a:t>
+            </a:r>
+            <a:r>
+              <a:rPr lang="en-US" altLang="zh-CN" dirty="0" err="1"/>
+              <a:t>Dongarra</a:t>
+            </a:r>
+            <a:endParaRPr lang="en-US" altLang="zh-CN" dirty="0"/>
+          </a:p>
+          <a:p>
+            <a:endParaRPr lang="zh-CN" altLang="en-US" dirty="0"/>
+          </a:p>
+        </p:txBody>
+      </p:sp>
+      <p:sp>
+        <p:nvSpPr>
+          <p:cNvPr id="4" name="灯片编号占位符 3"/>
+          <p:cNvSpPr>
+            <a:spLocks noGrp="1"/>
+          </p:cNvSpPr>
+          <p:nvPr>
+            <p:ph type="sldNum" sz="quarter" idx="5"/>
+          </p:nvPr>
+        </p:nvSpPr>
+        <p:spPr/>
+        <p:txBody>
+          <a:bodyPr/>
+          <a:lstStyle/>
+          <a:p>
+            <a:fld id="{67F715A1-4ADC-44E0-9587-804FF39D6B22}" type="slidenum">
+              <a:rPr lang="en-US" smtClean="0"/>
+              <a:t>4</a:t>
+            </a:fld>
+            <a:endParaRPr lang="en-US"/>
+          </a:p>
+        </p:txBody>
+      </p:sp>
+    </p:spTree>
+    <p:extLst>
+      <p:ext uri="{BB962C8B-B14F-4D97-AF65-F5344CB8AC3E}">
+        <p14:creationId xmlns:p14="http://schemas.microsoft.com/office/powerpoint/2010/main" val="3242503345"/>
+      </p:ext>
+    </p:extLst>
+  </p:cSld>
+  <p:clrMapOvr>
+    <a:masterClrMapping/>
+  </p:clrMapOvr>
+</p:notes>
+</file>
+
+<file path=ppt/notesSlides/notesSlide3.xml><?xml version="1.0" encoding="utf-8"?>
+<p:notes xmlns:a="http://schemas.openxmlformats.org/drawingml/2006/main" xmlns:r="http://schemas.openxmlformats.org/officeDocument/2006/relationships" xmlns:p="http://schemas.openxmlformats.org/presentationml/2006/main">
+  <p:cSld>
+    <p:spTree>
+      <p:nvGrpSpPr>
+        <p:cNvPr id="1" name=""/>
+        <p:cNvGrpSpPr/>
+        <p:nvPr/>
+      </p:nvGrpSpPr>
+      <p:grpSpPr>
+        <a:xfrm>
+          <a:off x="0" y="0"/>
+          <a:ext cx="0" cy="0"/>
+          <a:chOff x="0" y="0"/>
+          <a:chExt cx="0" cy="0"/>
+        </a:xfrm>
+      </p:grpSpPr>
+      <p:sp>
+        <p:nvSpPr>
           <p:cNvPr id="2" name="Slide Image Placeholder 1"/>
           <p:cNvSpPr>
             <a:spLocks noGrp="1" noRot="1" noChangeAspect="1"/>
@@ -11343,7 +11450,7 @@
 </p:notes>
 </file>
 
-<file path=ppt/notesSlides/notesSlide3.xml><?xml version="1.0" encoding="utf-8"?>
+<file path=ppt/notesSlides/notesSlide4.xml><?xml version="1.0" encoding="utf-8"?>
 <p:notes xmlns:a="http://schemas.openxmlformats.org/drawingml/2006/main" xmlns:r="http://schemas.openxmlformats.org/officeDocument/2006/relationships" xmlns:p="http://schemas.openxmlformats.org/presentationml/2006/main">
   <p:cSld>
     <p:spTree>
@@ -11612,7 +11719,7 @@
           <a:p>
             <a:fld id="{40FF0622-75E4-48B8-A617-5428CA5926CE}" type="datetimeFigureOut">
               <a:rPr lang="en-US" smtClean="0"/>
-              <a:t>9/2/2020</a:t>
+              <a:t>9/7/2020</a:t>
             </a:fld>
             <a:endParaRPr lang="en-US"/>
           </a:p>
@@ -11885,7 +11992,7 @@
           <a:p>
             <a:fld id="{40FF0622-75E4-48B8-A617-5428CA5926CE}" type="datetimeFigureOut">
               <a:rPr lang="en-US" smtClean="0"/>
-              <a:t>9/2/2020</a:t>
+              <a:t>9/7/2020</a:t>
             </a:fld>
             <a:endParaRPr lang="en-US"/>
           </a:p>
@@ -12011,7 +12118,7 @@
           <a:p>
             <a:fld id="{40FF0622-75E4-48B8-A617-5428CA5926CE}" type="datetimeFigureOut">
               <a:rPr lang="en-US" smtClean="0"/>
-              <a:t>9/2/2020</a:t>
+              <a:t>9/7/2020</a:t>
             </a:fld>
             <a:endParaRPr lang="en-US"/>
           </a:p>
@@ -12205,7 +12312,7 @@
           <a:p>
             <a:fld id="{40FF0622-75E4-48B8-A617-5428CA5926CE}" type="datetimeFigureOut">
               <a:rPr lang="en-US" smtClean="0"/>
-              <a:t>9/2/2020</a:t>
+              <a:t>9/7/2020</a:t>
             </a:fld>
             <a:endParaRPr lang="en-US"/>
           </a:p>
@@ -12678,7 +12785,7 @@
           <a:p>
             <a:fld id="{40FF0622-75E4-48B8-A617-5428CA5926CE}" type="datetimeFigureOut">
               <a:rPr lang="en-US" smtClean="0"/>
-              <a:t>9/2/2020</a:t>
+              <a:t>9/7/2020</a:t>
             </a:fld>
             <a:endParaRPr lang="en-US"/>
           </a:p>
@@ -12804,7 +12911,7 @@
           <a:p>
             <a:fld id="{40FF0622-75E4-48B8-A617-5428CA5926CE}" type="datetimeFigureOut">
               <a:rPr lang="en-US" smtClean="0"/>
-              <a:t>9/2/2020</a:t>
+              <a:t>9/7/2020</a:t>
             </a:fld>
             <a:endParaRPr lang="en-US"/>
           </a:p>
@@ -13092,7 +13199,7 @@
           <a:p>
             <a:fld id="{40FF0622-75E4-48B8-A617-5428CA5926CE}" type="datetimeFigureOut">
               <a:rPr lang="en-US" smtClean="0"/>
-              <a:t>9/2/2020</a:t>
+              <a:t>9/7/2020</a:t>
             </a:fld>
             <a:endParaRPr lang="en-US"/>
           </a:p>
@@ -13843,7 +13950,7 @@
           <a:p>
             <a:fld id="{40FF0622-75E4-48B8-A617-5428CA5926CE}" type="datetimeFigureOut">
               <a:rPr lang="en-US" smtClean="0"/>
-              <a:t>9/2/2020</a:t>
+              <a:t>9/7/2020</a:t>
             </a:fld>
             <a:endParaRPr lang="en-US"/>
           </a:p>
@@ -14687,7 +14794,7 @@
           <a:p>
             <a:fld id="{40FF0622-75E4-48B8-A617-5428CA5926CE}" type="datetimeFigureOut">
               <a:rPr lang="en-US" smtClean="0"/>
-              <a:t>9/2/2020</a:t>
+              <a:t>9/7/2020</a:t>
             </a:fld>
             <a:endParaRPr lang="en-US"/>
           </a:p>
@@ -14855,7 +14962,7 @@
           <a:p>
             <a:fld id="{40FF0622-75E4-48B8-A617-5428CA5926CE}" type="datetimeFigureOut">
               <a:rPr lang="en-US" smtClean="0"/>
-              <a:t>9/2/2020</a:t>
+              <a:t>9/7/2020</a:t>
             </a:fld>
             <a:endParaRPr lang="en-US"/>
           </a:p>
@@ -15033,7 +15140,7 @@
           <a:p>
             <a:fld id="{40FF0622-75E4-48B8-A617-5428CA5926CE}" type="datetimeFigureOut">
               <a:rPr lang="en-US" smtClean="0"/>
-              <a:t>9/2/2020</a:t>
+              <a:t>9/7/2020</a:t>
             </a:fld>
             <a:endParaRPr lang="en-US"/>
           </a:p>
@@ -15202,7 +15309,7 @@
           <a:p>
             <a:fld id="{40FF0622-75E4-48B8-A617-5428CA5926CE}" type="datetimeFigureOut">
               <a:rPr lang="en-US" smtClean="0"/>
-              <a:t>9/2/2020</a:t>
+              <a:t>9/7/2020</a:t>
             </a:fld>
             <a:endParaRPr lang="en-US"/>
           </a:p>
@@ -15446,7 +15553,7 @@
           <a:p>
             <a:fld id="{40FF0622-75E4-48B8-A617-5428CA5926CE}" type="datetimeFigureOut">
               <a:rPr lang="en-US" smtClean="0"/>
-              <a:t>9/2/2020</a:t>
+              <a:t>9/7/2020</a:t>
             </a:fld>
             <a:endParaRPr lang="en-US"/>
           </a:p>
@@ -15735,7 +15842,7 @@
           <a:p>
             <a:fld id="{40FF0622-75E4-48B8-A617-5428CA5926CE}" type="datetimeFigureOut">
               <a:rPr lang="en-US" smtClean="0"/>
-              <a:t>9/2/2020</a:t>
+              <a:t>9/7/2020</a:t>
             </a:fld>
             <a:endParaRPr lang="en-US"/>
           </a:p>
@@ -16170,7 +16277,7 @@
           <a:p>
             <a:fld id="{40FF0622-75E4-48B8-A617-5428CA5926CE}" type="datetimeFigureOut">
               <a:rPr lang="en-US" smtClean="0"/>
-              <a:t>9/2/2020</a:t>
+              <a:t>9/7/2020</a:t>
             </a:fld>
             <a:endParaRPr lang="en-US"/>
           </a:p>
@@ -16287,7 +16394,7 @@
           <a:p>
             <a:fld id="{40FF0622-75E4-48B8-A617-5428CA5926CE}" type="datetimeFigureOut">
               <a:rPr lang="en-US" smtClean="0"/>
-              <a:t>9/2/2020</a:t>
+              <a:t>9/7/2020</a:t>
             </a:fld>
             <a:endParaRPr lang="en-US"/>
           </a:p>
@@ -16382,7 +16489,7 @@
           <a:p>
             <a:fld id="{40FF0622-75E4-48B8-A617-5428CA5926CE}" type="datetimeFigureOut">
               <a:rPr lang="en-US" smtClean="0"/>
-              <a:t>9/2/2020</a:t>
+              <a:t>9/7/2020</a:t>
             </a:fld>
             <a:endParaRPr lang="en-US"/>
           </a:p>
@@ -16660,7 +16767,7 @@
           <a:p>
             <a:fld id="{40FF0622-75E4-48B8-A617-5428CA5926CE}" type="datetimeFigureOut">
               <a:rPr lang="en-US" smtClean="0"/>
-              <a:t>9/2/2020</a:t>
+              <a:t>9/7/2020</a:t>
             </a:fld>
             <a:endParaRPr lang="en-US"/>
           </a:p>
@@ -16934,7 +17041,7 @@
           <a:p>
             <a:fld id="{40FF0622-75E4-48B8-A617-5428CA5926CE}" type="datetimeFigureOut">
               <a:rPr lang="en-US" smtClean="0"/>
-              <a:t>9/2/2020</a:t>
+              <a:t>9/7/2020</a:t>
             </a:fld>
             <a:endParaRPr lang="en-US"/>
           </a:p>
@@ -17568,7 +17675,7 @@
           <a:p>
             <a:fld id="{40FF0622-75E4-48B8-A617-5428CA5926CE}" type="datetimeFigureOut">
               <a:rPr lang="en-US" smtClean="0"/>
-              <a:t>9/2/2020</a:t>
+              <a:t>9/7/2020</a:t>
             </a:fld>
             <a:endParaRPr lang="en-US"/>
           </a:p>
@@ -20452,7 +20559,7 @@
           <a:graphicData uri="http://schemas.openxmlformats.org/presentationml/2006/ole">
             <mc:AlternateContent xmlns:mc="http://schemas.openxmlformats.org/markup-compatibility/2006">
               <mc:Choice xmlns:v="urn:schemas-microsoft-com:vml" Requires="v">
-                <p:oleObj spid="_x0000_s1077" r:id="rId3" imgW="3790950" imgH="2914650" progId="">
+                <p:oleObj spid="_x0000_s1088" r:id="rId3" imgW="3790950" imgH="2914650" progId="">
                   <p:embed/>
                 </p:oleObj>
               </mc:Choice>
@@ -20641,6 +20748,49 @@
           </a:p>
         </p:txBody>
       </p:sp>
+      <p:sp>
+        <p:nvSpPr>
+          <p:cNvPr id="3" name="矩形 2">
+            <a:extLst>
+              <a:ext uri="{FF2B5EF4-FFF2-40B4-BE49-F238E27FC236}">
+                <a16:creationId xmlns:a16="http://schemas.microsoft.com/office/drawing/2014/main" id="{76D72931-6733-4351-8804-0F427644EC82}"/>
+              </a:ext>
+            </a:extLst>
+          </p:cNvPr>
+          <p:cNvSpPr/>
+          <p:nvPr/>
+        </p:nvSpPr>
+        <p:spPr>
+          <a:xfrm>
+            <a:off x="2513055" y="5956822"/>
+            <a:ext cx="8543108" cy="369332"/>
+          </a:xfrm>
+          <a:prstGeom prst="rect">
+            <a:avLst/>
+          </a:prstGeom>
+        </p:spPr>
+        <p:txBody>
+          <a:bodyPr wrap="square">
+            <a:spAutoFit/>
+          </a:bodyPr>
+          <a:lstStyle/>
+          <a:p>
+            <a:r>
+              <a:rPr lang="en-US" altLang="zh-CN" dirty="0">
+                <a:solidFill>
+                  <a:srgbClr val="FF0000"/>
+                </a:solidFill>
+              </a:rPr>
+              <a:t>https://stackoverflow.com/questions/871/why-is-git-better-than-subversion</a:t>
+            </a:r>
+            <a:endParaRPr lang="zh-CN" altLang="en-US" dirty="0">
+              <a:solidFill>
+                <a:srgbClr val="FF0000"/>
+              </a:solidFill>
+            </a:endParaRPr>
+          </a:p>
+        </p:txBody>
+      </p:sp>
     </p:spTree>
     <p:extLst>
       <p:ext uri="{BB962C8B-B14F-4D97-AF65-F5344CB8AC3E}">
@@ -20735,21 +20885,7 @@
                 <a:latin typeface="微软雅黑" panose="020B0503020204020204" pitchFamily="34" charset="-122"/>
                 <a:ea typeface="微软雅黑" panose="020B0503020204020204" pitchFamily="34" charset="-122"/>
               </a:rPr>
-              <a:t>“Windows Principle and Its </a:t>
-            </a:r>
-            <a:r>
-              <a:rPr lang="en-US" dirty="0" err="1">
-                <a:latin typeface="微软雅黑" panose="020B0503020204020204" pitchFamily="34" charset="-122"/>
-                <a:ea typeface="微软雅黑" panose="020B0503020204020204" pitchFamily="34" charset="-122"/>
-              </a:rPr>
-              <a:t>Applications”is</a:t>
-            </a:r>
-            <a:r>
-              <a:rPr lang="en-US" dirty="0">
-                <a:latin typeface="微软雅黑" panose="020B0503020204020204" pitchFamily="34" charset="-122"/>
-                <a:ea typeface="微软雅黑" panose="020B0503020204020204" pitchFamily="34" charset="-122"/>
-              </a:rPr>
-              <a:t> a course of developing general purpose programming skill on Windows platform, via different programming languages that supports various computer programming models such as object-oriented programming and generic programming. Its main purpose is to make writing good programs easier and more pleasant for the Windows platform programmer.</a:t>
+              <a:t>"Windows Principle and Its Applications" is a course of developing general purpose programming skill on Windows platform, via different programming languages that supports various computer programming models such as object-oriented programming and generic programming. Its main purpose is to make writing good programs easier and more pleasant for the Windows platform programmer.</a:t>
             </a:r>
           </a:p>
           <a:p>
@@ -20879,7 +21015,7 @@
             </a:pPr>
             <a:r>
               <a:rPr lang="en-US" dirty="0"/>
-              <a:t>Thurs 1-3: Building One, Room 309, course 20201021952</a:t>
+              <a:t>Thurs 1-3: Building One, Room 505, course 20201021952</a:t>
             </a:r>
           </a:p>
           <a:p>
@@ -20910,13 +21046,24 @@
             </a:pPr>
             <a:r>
               <a:rPr lang="en-US" dirty="0"/>
-              <a:t>Labs: B-Wing room B-303, Building of CS, Week 9 – 12</a:t>
+              <a:t>Labs: </a:t>
             </a:r>
             <a:r>
-              <a:rPr lang="zh-CN" altLang="en-US" dirty="0"/>
-              <a:t>，</a:t>
+              <a:rPr lang="en-US" altLang="zh-CN" dirty="0">
+                <a:solidFill>
+                  <a:srgbClr val="FF0000"/>
+                </a:solidFill>
+              </a:rPr>
+              <a:t>pending</a:t>
             </a:r>
-            <a:endParaRPr lang="en-US" dirty="0"/>
+            <a:r>
+              <a:rPr lang="en-US" altLang="zh-CN" dirty="0"/>
+              <a:t>, </a:t>
+            </a:r>
+            <a:r>
+              <a:rPr lang="en-US" dirty="0"/>
+              <a:t>B-Wing room B-303, Building of CS, Week 9 – 12</a:t>
+            </a:r>
           </a:p>
           <a:p>
             <a:pPr>
@@ -20951,6 +21098,11 @@
               <a:rPr lang="en-US" dirty="0"/>
               <a:t>C# / C++</a:t>
             </a:r>
+            <a:endParaRPr lang="en-US" dirty="0">
+              <a:solidFill>
+                <a:srgbClr val="002060"/>
+              </a:solidFill>
+            </a:endParaRPr>
           </a:p>
           <a:p>
             <a:pPr lvl="1">
@@ -21007,6 +21159,92 @@
               <a:t>4</a:t>
             </a:fld>
             <a:endParaRPr lang="en-US" altLang="zh-CN"/>
+          </a:p>
+        </p:txBody>
+      </p:sp>
+      <p:sp>
+        <p:nvSpPr>
+          <p:cNvPr id="6" name="矩形 5">
+            <a:extLst>
+              <a:ext uri="{FF2B5EF4-FFF2-40B4-BE49-F238E27FC236}">
+                <a16:creationId xmlns:a16="http://schemas.microsoft.com/office/drawing/2014/main" id="{42CCF187-9475-47B4-8680-E798AB011D63}"/>
+              </a:ext>
+            </a:extLst>
+          </p:cNvPr>
+          <p:cNvSpPr/>
+          <p:nvPr/>
+        </p:nvSpPr>
+        <p:spPr>
+          <a:xfrm>
+            <a:off x="7735192" y="4188100"/>
+            <a:ext cx="4400202" cy="553998"/>
+          </a:xfrm>
+          <a:prstGeom prst="rect">
+            <a:avLst/>
+          </a:prstGeom>
+        </p:spPr>
+        <p:txBody>
+          <a:bodyPr wrap="square">
+            <a:spAutoFit/>
+          </a:bodyPr>
+          <a:lstStyle/>
+          <a:p>
+            <a:r>
+              <a:rPr lang="zh-CN" altLang="en-US" sz="1600" dirty="0">
+                <a:solidFill>
+                  <a:srgbClr val="002060"/>
+                </a:solidFill>
+                <a:latin typeface="微软雅黑" panose="020B0503020204020204" pitchFamily="34" charset="-122"/>
+                <a:ea typeface="微软雅黑" panose="020B0503020204020204" pitchFamily="34" charset="-122"/>
+              </a:rPr>
+              <a:t>个人认为顶级研发者</a:t>
+            </a:r>
+            <a:r>
+              <a:rPr lang="en-US" altLang="zh-CN" sz="1600" dirty="0">
+                <a:solidFill>
+                  <a:srgbClr val="002060"/>
+                </a:solidFill>
+                <a:latin typeface="微软雅黑" panose="020B0503020204020204" pitchFamily="34" charset="-122"/>
+                <a:ea typeface="微软雅黑" panose="020B0503020204020204" pitchFamily="34" charset="-122"/>
+              </a:rPr>
+              <a:t>C/C++/Fortran</a:t>
+            </a:r>
+            <a:r>
+              <a:rPr lang="zh-CN" altLang="en-US" sz="1600" dirty="0">
+                <a:solidFill>
+                  <a:srgbClr val="002060"/>
+                </a:solidFill>
+                <a:latin typeface="微软雅黑" panose="020B0503020204020204" pitchFamily="34" charset="-122"/>
+                <a:ea typeface="微软雅黑" panose="020B0503020204020204" pitchFamily="34" charset="-122"/>
+              </a:rPr>
+              <a:t>混合编程</a:t>
+            </a:r>
+            <a:endParaRPr lang="en-US" altLang="zh-CN" sz="1600" dirty="0">
+              <a:solidFill>
+                <a:srgbClr val="002060"/>
+              </a:solidFill>
+              <a:latin typeface="微软雅黑" panose="020B0503020204020204" pitchFamily="34" charset="-122"/>
+              <a:ea typeface="微软雅黑" panose="020B0503020204020204" pitchFamily="34" charset="-122"/>
+            </a:endParaRPr>
+          </a:p>
+          <a:p>
+            <a:r>
+              <a:rPr lang="en-US" altLang="zh-CN" sz="1400" dirty="0">
+                <a:solidFill>
+                  <a:srgbClr val="002060"/>
+                </a:solidFill>
+                <a:latin typeface="微软雅黑" panose="020B0503020204020204" pitchFamily="34" charset="-122"/>
+                <a:ea typeface="微软雅黑" panose="020B0503020204020204" pitchFamily="34" charset="-122"/>
+              </a:rPr>
+              <a:t>BLAS https://icl.utk.edu/svn/lapack-dev/lapack/</a:t>
+            </a:r>
+            <a:endParaRPr lang="zh-CN" altLang="en-US" sz="1400" dirty="0">
+              <a:solidFill>
+                <a:srgbClr val="002060"/>
+              </a:solidFill>
+              <a:latin typeface="微软雅黑" panose="020B0503020204020204" pitchFamily="34" charset="-122"/>
+              <a:ea typeface="微软雅黑" panose="020B0503020204020204" pitchFamily="34" charset="-122"/>
+            </a:endParaRPr>
           </a:p>
         </p:txBody>
       </p:sp>
@@ -22741,7 +22979,7 @@
             </a:pPr>
             <a:r>
               <a:rPr lang="en-US" altLang="zh-CN" dirty="0"/>
-              <a:t>Coding, coding, more coding, …</a:t>
+              <a:t>Coding, coding, n coding, …</a:t>
             </a:r>
             <a:endParaRPr lang="en-US" dirty="0"/>
           </a:p>
@@ -22751,6 +22989,26 @@
               <a:rPr lang="en-US" dirty="0"/>
               <a:t>Lectures</a:t>
             </a:r>
+          </a:p>
+          <a:p>
+            <a:pPr lvl="1"/>
+            <a:r>
+              <a:rPr lang="en-US" altLang="zh-CN" dirty="0"/>
+              <a:t>Online interaction: </a:t>
+            </a:r>
+            <a:r>
+              <a:rPr lang="en-US" altLang="zh-CN" dirty="0" err="1"/>
+              <a:t>github</a:t>
+            </a:r>
+            <a:r>
+              <a:rPr lang="en-US" altLang="zh-CN" dirty="0"/>
+              <a:t> n </a:t>
+            </a:r>
+            <a:r>
+              <a:rPr lang="en-US" altLang="zh-CN" dirty="0" err="1"/>
+              <a:t>gitee</a:t>
+            </a:r>
+            <a:endParaRPr lang="en-US" dirty="0"/>
           </a:p>
           <a:p>
             <a:pPr lvl="1"/>
@@ -23589,6 +23847,21 @@
 </file>
 
 <file path=customXml/item1.xml><?xml version="1.0" encoding="utf-8"?>
+<p:properties xmlns:p="http://schemas.microsoft.com/office/2006/metadata/properties" xmlns:xsi="http://www.w3.org/2001/XMLSchema-instance" xmlns:pc="http://schemas.microsoft.com/office/infopath/2007/PartnerControls">
+  <documentManagement/>
+</p:properties>
+</file>
+
+<file path=customXml/item2.xml><?xml version="1.0" encoding="utf-8"?>
+<?mso-contentType ?>
+<FormTemplates xmlns="http://schemas.microsoft.com/sharepoint/v3/contenttype/forms">
+  <Display>DocumentLibraryForm</Display>
+  <Edit>DocumentLibraryForm</Edit>
+  <New>DocumentLibraryForm</New>
+</FormTemplates>
+</file>
+
+<file path=customXml/item3.xml><?xml version="1.0" encoding="utf-8"?>
 <ct:contentTypeSchema xmlns:ct="http://schemas.microsoft.com/office/2006/metadata/contentType" xmlns:ma="http://schemas.microsoft.com/office/2006/metadata/properties/metaAttributes" ct:_="" ma:_="" ma:contentTypeName="Document" ma:contentTypeID="0x0101007C1D5F340F01F94FA2FD29A5E6DC872E" ma:contentTypeVersion="0" ma:contentTypeDescription="Create a new document." ma:contentTypeScope="" ma:versionID="f583bd66513a361a730282b6a794e352">
   <xsd:schema xmlns:xsd="http://www.w3.org/2001/XMLSchema" xmlns:xs="http://www.w3.org/2001/XMLSchema" xmlns:p="http://schemas.microsoft.com/office/2006/metadata/properties" targetNamespace="http://schemas.microsoft.com/office/2006/metadata/properties" ma:root="true" ma:fieldsID="6841151cf538834e171094e4faaf2d73">
     <xsd:element name="properties">
@@ -23702,32 +23975,10 @@
 </ct:contentTypeSchema>
 </file>
 
-<file path=customXml/item2.xml><?xml version="1.0" encoding="utf-8"?>
-<?mso-contentType ?>
-<FormTemplates xmlns="http://schemas.microsoft.com/sharepoint/v3/contenttype/forms">
-  <Display>DocumentLibraryForm</Display>
-  <Edit>DocumentLibraryForm</Edit>
-  <New>DocumentLibraryForm</New>
-</FormTemplates>
-</file>
-
-<file path=customXml/item3.xml><?xml version="1.0" encoding="utf-8"?>
-<p:properties xmlns:p="http://schemas.microsoft.com/office/2006/metadata/properties" xmlns:xsi="http://www.w3.org/2001/XMLSchema-instance" xmlns:pc="http://schemas.microsoft.com/office/infopath/2007/PartnerControls">
-  <documentManagement/>
-</p:properties>
-</file>
-
 <file path=customXml/itemProps1.xml><?xml version="1.0" encoding="utf-8"?>
-<ds:datastoreItem xmlns:ds="http://schemas.openxmlformats.org/officeDocument/2006/customXml" ds:itemID="{D1FC5151-73AF-4992-B300-816A43C7C293}">
+<ds:datastoreItem xmlns:ds="http://schemas.openxmlformats.org/officeDocument/2006/customXml" ds:itemID="{CA7F0F3B-1D69-4071-934C-7373F1C638FD}">
   <ds:schemaRefs>
-    <ds:schemaRef ds:uri="http://schemas.microsoft.com/office/2006/metadata/contentType"/>
-    <ds:schemaRef ds:uri="http://schemas.microsoft.com/office/2006/metadata/properties/metaAttributes"/>
-    <ds:schemaRef ds:uri="http://www.w3.org/2001/XMLSchema"/>
     <ds:schemaRef ds:uri="http://schemas.microsoft.com/office/2006/metadata/properties"/>
-    <ds:schemaRef ds:uri="http://schemas.openxmlformats.org/package/2006/metadata/core-properties"/>
-    <ds:schemaRef ds:uri="http://purl.org/dc/elements/1.1/"/>
-    <ds:schemaRef ds:uri="http://purl.org/dc/terms/"/>
-    <ds:schemaRef ds:uri="http://schemas.microsoft.com/internal/obd"/>
     <ds:schemaRef ds:uri="http://schemas.microsoft.com/office/infopath/2007/PartnerControls"/>
   </ds:schemaRefs>
 </ds:datastoreItem>
@@ -23742,9 +23993,16 @@
 </file>
 
 <file path=customXml/itemProps3.xml><?xml version="1.0" encoding="utf-8"?>
-<ds:datastoreItem xmlns:ds="http://schemas.openxmlformats.org/officeDocument/2006/customXml" ds:itemID="{CA7F0F3B-1D69-4071-934C-7373F1C638FD}">
+<ds:datastoreItem xmlns:ds="http://schemas.openxmlformats.org/officeDocument/2006/customXml" ds:itemID="{D1FC5151-73AF-4992-B300-816A43C7C293}">
   <ds:schemaRefs>
+    <ds:schemaRef ds:uri="http://schemas.microsoft.com/office/2006/metadata/contentType"/>
+    <ds:schemaRef ds:uri="http://schemas.microsoft.com/office/2006/metadata/properties/metaAttributes"/>
+    <ds:schemaRef ds:uri="http://www.w3.org/2001/XMLSchema"/>
     <ds:schemaRef ds:uri="http://schemas.microsoft.com/office/2006/metadata/properties"/>
+    <ds:schemaRef ds:uri="http://schemas.openxmlformats.org/package/2006/metadata/core-properties"/>
+    <ds:schemaRef ds:uri="http://purl.org/dc/elements/1.1/"/>
+    <ds:schemaRef ds:uri="http://purl.org/dc/terms/"/>
+    <ds:schemaRef ds:uri="http://schemas.microsoft.com/internal/obd"/>
     <ds:schemaRef ds:uri="http://schemas.microsoft.com/office/infopath/2007/PartnerControls"/>
   </ds:schemaRefs>
 </ds:datastoreItem>

--- a/slides/instruction/introduction.pptx
+++ b/slides/instruction/introduction.pptx
@@ -4630,33 +4630,70 @@
       </dgm:t>
     </dgm:pt>
     <dgm:pt modelId="{C22B14A1-CEB5-4C85-A079-329A0D631FC4}">
-      <dgm:prSet phldrT="[Text]"/>
+      <dgm:prSet phldrT="[Text]" custT="1"/>
       <dgm:spPr/>
       <dgm:t>
         <a:bodyPr/>
         <a:lstStyle/>
         <a:p>
           <a:r>
-            <a:rPr lang="en-US" altLang="zh-CN" dirty="0">
+            <a:rPr lang="en-US" altLang="zh-CN" sz="1200" dirty="0">
               <a:latin typeface="微软雅黑" panose="020B0503020204020204" pitchFamily="34" charset="-122"/>
               <a:ea typeface="微软雅黑" panose="020B0503020204020204" pitchFamily="34" charset="-122"/>
             </a:rPr>
-            <a:t>WeChat Group: </a:t>
+            <a:t>QQ group: </a:t>
           </a:r>
           <a:br>
-            <a:rPr lang="en-US" altLang="zh-CN" dirty="0">
+            <a:rPr lang="en-US" altLang="zh-CN" sz="1200" dirty="0">
               <a:latin typeface="微软雅黑" panose="020B0503020204020204" pitchFamily="34" charset="-122"/>
               <a:ea typeface="微软雅黑" panose="020B0503020204020204" pitchFamily="34" charset="-122"/>
             </a:rPr>
           </a:br>
           <a:r>
-            <a:rPr lang="en-US" altLang="zh-CN" dirty="0">
+            <a:rPr lang="en-US" altLang="zh-CN" sz="1000" dirty="0">
               <a:latin typeface="微软雅黑" panose="020B0503020204020204" pitchFamily="34" charset="-122"/>
               <a:ea typeface="微软雅黑" panose="020B0503020204020204" pitchFamily="34" charset="-122"/>
             </a:rPr>
-            <a:t>programming windows 2020</a:t>
+            <a:t>20201021076《Windows</a:t>
           </a:r>
-          <a:endParaRPr lang="en-US" dirty="0"/>
+          <a:r>
+            <a:rPr lang="zh-CN" altLang="zh-CN" sz="1000" dirty="0">
+              <a:latin typeface="微软雅黑" panose="020B0503020204020204" pitchFamily="34" charset="-122"/>
+              <a:ea typeface="微软雅黑" panose="020B0503020204020204" pitchFamily="34" charset="-122"/>
+            </a:rPr>
+            <a:t>原理与应用</a:t>
+          </a:r>
+          <a:r>
+            <a:rPr lang="en-US" altLang="zh-CN" sz="1000" dirty="0">
+              <a:latin typeface="微软雅黑" panose="020B0503020204020204" pitchFamily="34" charset="-122"/>
+              <a:ea typeface="微软雅黑" panose="020B0503020204020204" pitchFamily="34" charset="-122"/>
+            </a:rPr>
+            <a:t>》</a:t>
+          </a:r>
+        </a:p>
+        <a:p>
+          <a:r>
+            <a:rPr lang="en-US" altLang="zh-CN" sz="1000" dirty="0">
+              <a:latin typeface="微软雅黑" panose="020B0503020204020204" pitchFamily="34" charset="-122"/>
+              <a:ea typeface="微软雅黑" panose="020B0503020204020204" pitchFamily="34" charset="-122"/>
+            </a:rPr>
+            <a:t>20201021952《Windows</a:t>
+          </a:r>
+          <a:r>
+            <a:rPr lang="zh-CN" altLang="zh-CN" sz="1000" dirty="0">
+              <a:latin typeface="微软雅黑" panose="020B0503020204020204" pitchFamily="34" charset="-122"/>
+              <a:ea typeface="微软雅黑" panose="020B0503020204020204" pitchFamily="34" charset="-122"/>
+            </a:rPr>
+            <a:t>原理与应用</a:t>
+          </a:r>
+          <a:r>
+            <a:rPr lang="en-US" altLang="zh-CN" sz="1000" dirty="0">
+              <a:latin typeface="微软雅黑" panose="020B0503020204020204" pitchFamily="34" charset="-122"/>
+              <a:ea typeface="微软雅黑" panose="020B0503020204020204" pitchFamily="34" charset="-122"/>
+            </a:rPr>
+            <a:t>》</a:t>
+          </a:r>
+          <a:endParaRPr lang="en-US" sz="1000" dirty="0"/>
         </a:p>
       </dgm:t>
     </dgm:pt>
@@ -6660,7 +6697,7 @@
               <a:latin typeface="微软雅黑" panose="020B0503020204020204" pitchFamily="34" charset="-122"/>
               <a:ea typeface="微软雅黑" panose="020B0503020204020204" pitchFamily="34" charset="-122"/>
             </a:rPr>
-            <a:t>WeChat Group: </a:t>
+            <a:t>QQ group: </a:t>
           </a:r>
           <a:br>
             <a:rPr lang="en-US" altLang="zh-CN" sz="1200" kern="1200" dirty="0">
@@ -6669,13 +6706,62 @@
             </a:rPr>
           </a:br>
           <a:r>
-            <a:rPr lang="en-US" altLang="zh-CN" sz="1200" kern="1200" dirty="0">
+            <a:rPr lang="en-US" altLang="zh-CN" sz="1000" kern="1200" dirty="0">
               <a:latin typeface="微软雅黑" panose="020B0503020204020204" pitchFamily="34" charset="-122"/>
               <a:ea typeface="微软雅黑" panose="020B0503020204020204" pitchFamily="34" charset="-122"/>
             </a:rPr>
-            <a:t>programming windows 2020</a:t>
+            <a:t>20201021076《Windows</a:t>
           </a:r>
-          <a:endParaRPr lang="en-US" sz="1200" kern="1200" dirty="0"/>
+          <a:r>
+            <a:rPr lang="zh-CN" altLang="zh-CN" sz="1000" kern="1200" dirty="0">
+              <a:latin typeface="微软雅黑" panose="020B0503020204020204" pitchFamily="34" charset="-122"/>
+              <a:ea typeface="微软雅黑" panose="020B0503020204020204" pitchFamily="34" charset="-122"/>
+            </a:rPr>
+            <a:t>原理与应用</a:t>
+          </a:r>
+          <a:r>
+            <a:rPr lang="en-US" altLang="zh-CN" sz="1000" kern="1200" dirty="0">
+              <a:latin typeface="微软雅黑" panose="020B0503020204020204" pitchFamily="34" charset="-122"/>
+              <a:ea typeface="微软雅黑" panose="020B0503020204020204" pitchFamily="34" charset="-122"/>
+            </a:rPr>
+            <a:t>》</a:t>
+          </a:r>
+        </a:p>
+        <a:p>
+          <a:pPr marL="0" lvl="0" indent="0" algn="ctr" defTabSz="533400">
+            <a:lnSpc>
+              <a:spcPct val="90000"/>
+            </a:lnSpc>
+            <a:spcBef>
+              <a:spcPct val="0"/>
+            </a:spcBef>
+            <a:spcAft>
+              <a:spcPct val="35000"/>
+            </a:spcAft>
+            <a:buNone/>
+          </a:pPr>
+          <a:r>
+            <a:rPr lang="en-US" altLang="zh-CN" sz="1000" kern="1200" dirty="0">
+              <a:latin typeface="微软雅黑" panose="020B0503020204020204" pitchFamily="34" charset="-122"/>
+              <a:ea typeface="微软雅黑" panose="020B0503020204020204" pitchFamily="34" charset="-122"/>
+            </a:rPr>
+            <a:t>20201021952《Windows</a:t>
+          </a:r>
+          <a:r>
+            <a:rPr lang="zh-CN" altLang="zh-CN" sz="1000" kern="1200" dirty="0">
+              <a:latin typeface="微软雅黑" panose="020B0503020204020204" pitchFamily="34" charset="-122"/>
+              <a:ea typeface="微软雅黑" panose="020B0503020204020204" pitchFamily="34" charset="-122"/>
+            </a:rPr>
+            <a:t>原理与应用</a:t>
+          </a:r>
+          <a:r>
+            <a:rPr lang="en-US" altLang="zh-CN" sz="1000" kern="1200" dirty="0">
+              <a:latin typeface="微软雅黑" panose="020B0503020204020204" pitchFamily="34" charset="-122"/>
+              <a:ea typeface="微软雅黑" panose="020B0503020204020204" pitchFamily="34" charset="-122"/>
+            </a:rPr>
+            <a:t>》</a:t>
+          </a:r>
+          <a:endParaRPr lang="en-US" sz="1000" kern="1200" dirty="0"/>
         </a:p>
       </dsp:txBody>
       <dsp:txXfrm>
@@ -10743,7 +10829,7 @@
           <a:p>
             <a:fld id="{E574AC39-44E6-425E-AF49-CF7D189F346F}" type="datetimeFigureOut">
               <a:rPr lang="en-US" smtClean="0"/>
-              <a:t>9/7/2020</a:t>
+              <a:t>9/9/2020</a:t>
             </a:fld>
             <a:endParaRPr lang="en-US"/>
           </a:p>
@@ -10908,7 +10994,7 @@
           <a:p>
             <a:fld id="{DF2775BC-6312-42C7-B7C5-EA6783C2D9CA}" type="datetimeFigureOut">
               <a:rPr lang="en-US" smtClean="0"/>
-              <a:t>9/7/2020</a:t>
+              <a:t>9/9/2020</a:t>
             </a:fld>
             <a:endParaRPr lang="en-US"/>
           </a:p>
@@ -11719,7 +11805,7 @@
           <a:p>
             <a:fld id="{40FF0622-75E4-48B8-A617-5428CA5926CE}" type="datetimeFigureOut">
               <a:rPr lang="en-US" smtClean="0"/>
-              <a:t>9/7/2020</a:t>
+              <a:t>9/9/2020</a:t>
             </a:fld>
             <a:endParaRPr lang="en-US"/>
           </a:p>
@@ -11992,7 +12078,7 @@
           <a:p>
             <a:fld id="{40FF0622-75E4-48B8-A617-5428CA5926CE}" type="datetimeFigureOut">
               <a:rPr lang="en-US" smtClean="0"/>
-              <a:t>9/7/2020</a:t>
+              <a:t>9/9/2020</a:t>
             </a:fld>
             <a:endParaRPr lang="en-US"/>
           </a:p>
@@ -12118,7 +12204,7 @@
           <a:p>
             <a:fld id="{40FF0622-75E4-48B8-A617-5428CA5926CE}" type="datetimeFigureOut">
               <a:rPr lang="en-US" smtClean="0"/>
-              <a:t>9/7/2020</a:t>
+              <a:t>9/9/2020</a:t>
             </a:fld>
             <a:endParaRPr lang="en-US"/>
           </a:p>
@@ -12312,7 +12398,7 @@
           <a:p>
             <a:fld id="{40FF0622-75E4-48B8-A617-5428CA5926CE}" type="datetimeFigureOut">
               <a:rPr lang="en-US" smtClean="0"/>
-              <a:t>9/7/2020</a:t>
+              <a:t>9/9/2020</a:t>
             </a:fld>
             <a:endParaRPr lang="en-US"/>
           </a:p>
@@ -12785,7 +12871,7 @@
           <a:p>
             <a:fld id="{40FF0622-75E4-48B8-A617-5428CA5926CE}" type="datetimeFigureOut">
               <a:rPr lang="en-US" smtClean="0"/>
-              <a:t>9/7/2020</a:t>
+              <a:t>9/9/2020</a:t>
             </a:fld>
             <a:endParaRPr lang="en-US"/>
           </a:p>
@@ -12911,7 +12997,7 @@
           <a:p>
             <a:fld id="{40FF0622-75E4-48B8-A617-5428CA5926CE}" type="datetimeFigureOut">
               <a:rPr lang="en-US" smtClean="0"/>
-              <a:t>9/7/2020</a:t>
+              <a:t>9/9/2020</a:t>
             </a:fld>
             <a:endParaRPr lang="en-US"/>
           </a:p>
@@ -13199,7 +13285,7 @@
           <a:p>
             <a:fld id="{40FF0622-75E4-48B8-A617-5428CA5926CE}" type="datetimeFigureOut">
               <a:rPr lang="en-US" smtClean="0"/>
-              <a:t>9/7/2020</a:t>
+              <a:t>9/9/2020</a:t>
             </a:fld>
             <a:endParaRPr lang="en-US"/>
           </a:p>
@@ -13950,7 +14036,7 @@
           <a:p>
             <a:fld id="{40FF0622-75E4-48B8-A617-5428CA5926CE}" type="datetimeFigureOut">
               <a:rPr lang="en-US" smtClean="0"/>
-              <a:t>9/7/2020</a:t>
+              <a:t>9/9/2020</a:t>
             </a:fld>
             <a:endParaRPr lang="en-US"/>
           </a:p>
@@ -14794,7 +14880,7 @@
           <a:p>
             <a:fld id="{40FF0622-75E4-48B8-A617-5428CA5926CE}" type="datetimeFigureOut">
               <a:rPr lang="en-US" smtClean="0"/>
-              <a:t>9/7/2020</a:t>
+              <a:t>9/9/2020</a:t>
             </a:fld>
             <a:endParaRPr lang="en-US"/>
           </a:p>
@@ -14962,7 +15048,7 @@
           <a:p>
             <a:fld id="{40FF0622-75E4-48B8-A617-5428CA5926CE}" type="datetimeFigureOut">
               <a:rPr lang="en-US" smtClean="0"/>
-              <a:t>9/7/2020</a:t>
+              <a:t>9/9/2020</a:t>
             </a:fld>
             <a:endParaRPr lang="en-US"/>
           </a:p>
@@ -15140,7 +15226,7 @@
           <a:p>
             <a:fld id="{40FF0622-75E4-48B8-A617-5428CA5926CE}" type="datetimeFigureOut">
               <a:rPr lang="en-US" smtClean="0"/>
-              <a:t>9/7/2020</a:t>
+              <a:t>9/9/2020</a:t>
             </a:fld>
             <a:endParaRPr lang="en-US"/>
           </a:p>
@@ -15309,7 +15395,7 @@
           <a:p>
             <a:fld id="{40FF0622-75E4-48B8-A617-5428CA5926CE}" type="datetimeFigureOut">
               <a:rPr lang="en-US" smtClean="0"/>
-              <a:t>9/7/2020</a:t>
+              <a:t>9/9/2020</a:t>
             </a:fld>
             <a:endParaRPr lang="en-US"/>
           </a:p>
@@ -15553,7 +15639,7 @@
           <a:p>
             <a:fld id="{40FF0622-75E4-48B8-A617-5428CA5926CE}" type="datetimeFigureOut">
               <a:rPr lang="en-US" smtClean="0"/>
-              <a:t>9/7/2020</a:t>
+              <a:t>9/9/2020</a:t>
             </a:fld>
             <a:endParaRPr lang="en-US"/>
           </a:p>
@@ -15842,7 +15928,7 @@
           <a:p>
             <a:fld id="{40FF0622-75E4-48B8-A617-5428CA5926CE}" type="datetimeFigureOut">
               <a:rPr lang="en-US" smtClean="0"/>
-              <a:t>9/7/2020</a:t>
+              <a:t>9/9/2020</a:t>
             </a:fld>
             <a:endParaRPr lang="en-US"/>
           </a:p>
@@ -16277,7 +16363,7 @@
           <a:p>
             <a:fld id="{40FF0622-75E4-48B8-A617-5428CA5926CE}" type="datetimeFigureOut">
               <a:rPr lang="en-US" smtClean="0"/>
-              <a:t>9/7/2020</a:t>
+              <a:t>9/9/2020</a:t>
             </a:fld>
             <a:endParaRPr lang="en-US"/>
           </a:p>
@@ -16394,7 +16480,7 @@
           <a:p>
             <a:fld id="{40FF0622-75E4-48B8-A617-5428CA5926CE}" type="datetimeFigureOut">
               <a:rPr lang="en-US" smtClean="0"/>
-              <a:t>9/7/2020</a:t>
+              <a:t>9/9/2020</a:t>
             </a:fld>
             <a:endParaRPr lang="en-US"/>
           </a:p>
@@ -16489,7 +16575,7 @@
           <a:p>
             <a:fld id="{40FF0622-75E4-48B8-A617-5428CA5926CE}" type="datetimeFigureOut">
               <a:rPr lang="en-US" smtClean="0"/>
-              <a:t>9/7/2020</a:t>
+              <a:t>9/9/2020</a:t>
             </a:fld>
             <a:endParaRPr lang="en-US"/>
           </a:p>
@@ -16767,7 +16853,7 @@
           <a:p>
             <a:fld id="{40FF0622-75E4-48B8-A617-5428CA5926CE}" type="datetimeFigureOut">
               <a:rPr lang="en-US" smtClean="0"/>
-              <a:t>9/7/2020</a:t>
+              <a:t>9/9/2020</a:t>
             </a:fld>
             <a:endParaRPr lang="en-US"/>
           </a:p>
@@ -17041,7 +17127,7 @@
           <a:p>
             <a:fld id="{40FF0622-75E4-48B8-A617-5428CA5926CE}" type="datetimeFigureOut">
               <a:rPr lang="en-US" smtClean="0"/>
-              <a:t>9/7/2020</a:t>
+              <a:t>9/9/2020</a:t>
             </a:fld>
             <a:endParaRPr lang="en-US"/>
           </a:p>
@@ -17675,7 +17761,7 @@
           <a:p>
             <a:fld id="{40FF0622-75E4-48B8-A617-5428CA5926CE}" type="datetimeFigureOut">
               <a:rPr lang="en-US" smtClean="0"/>
-              <a:t>9/7/2020</a:t>
+              <a:t>9/9/2020</a:t>
             </a:fld>
             <a:endParaRPr lang="en-US"/>
           </a:p>
@@ -20105,7 +20191,7 @@
             <p:ph idx="1"/>
             <p:extLst>
               <p:ext uri="{D42A27DB-BD31-4B8C-83A1-F6EECF244321}">
-                <p14:modId xmlns:p14="http://schemas.microsoft.com/office/powerpoint/2010/main" val="3944411710"/>
+                <p14:modId xmlns:p14="http://schemas.microsoft.com/office/powerpoint/2010/main" val="235785329"/>
               </p:ext>
             </p:extLst>
           </p:nvPr>
@@ -20559,7 +20645,7 @@
           <a:graphicData uri="http://schemas.openxmlformats.org/presentationml/2006/ole">
             <mc:AlternateContent xmlns:mc="http://schemas.openxmlformats.org/markup-compatibility/2006">
               <mc:Choice xmlns:v="urn:schemas-microsoft-com:vml" Requires="v">
-                <p:oleObj spid="_x0000_s1088" r:id="rId3" imgW="3790950" imgH="2914650" progId="">
+                <p:oleObj spid="_x0000_s1091" r:id="rId3" imgW="3790950" imgH="2914650" progId="">
                   <p:embed/>
                 </p:oleObj>
               </mc:Choice>
@@ -23847,21 +23933,6 @@
 </file>
 
 <file path=customXml/item1.xml><?xml version="1.0" encoding="utf-8"?>
-<p:properties xmlns:p="http://schemas.microsoft.com/office/2006/metadata/properties" xmlns:xsi="http://www.w3.org/2001/XMLSchema-instance" xmlns:pc="http://schemas.microsoft.com/office/infopath/2007/PartnerControls">
-  <documentManagement/>
-</p:properties>
-</file>
-
-<file path=customXml/item2.xml><?xml version="1.0" encoding="utf-8"?>
-<?mso-contentType ?>
-<FormTemplates xmlns="http://schemas.microsoft.com/sharepoint/v3/contenttype/forms">
-  <Display>DocumentLibraryForm</Display>
-  <Edit>DocumentLibraryForm</Edit>
-  <New>DocumentLibraryForm</New>
-</FormTemplates>
-</file>
-
-<file path=customXml/item3.xml><?xml version="1.0" encoding="utf-8"?>
 <ct:contentTypeSchema xmlns:ct="http://schemas.microsoft.com/office/2006/metadata/contentType" xmlns:ma="http://schemas.microsoft.com/office/2006/metadata/properties/metaAttributes" ct:_="" ma:_="" ma:contentTypeName="Document" ma:contentTypeID="0x0101007C1D5F340F01F94FA2FD29A5E6DC872E" ma:contentTypeVersion="0" ma:contentTypeDescription="Create a new document." ma:contentTypeScope="" ma:versionID="f583bd66513a361a730282b6a794e352">
   <xsd:schema xmlns:xsd="http://www.w3.org/2001/XMLSchema" xmlns:xs="http://www.w3.org/2001/XMLSchema" xmlns:p="http://schemas.microsoft.com/office/2006/metadata/properties" targetNamespace="http://schemas.microsoft.com/office/2006/metadata/properties" ma:root="true" ma:fieldsID="6841151cf538834e171094e4faaf2d73">
     <xsd:element name="properties">
@@ -23975,10 +24046,32 @@
 </ct:contentTypeSchema>
 </file>
 
+<file path=customXml/item2.xml><?xml version="1.0" encoding="utf-8"?>
+<?mso-contentType ?>
+<FormTemplates xmlns="http://schemas.microsoft.com/sharepoint/v3/contenttype/forms">
+  <Display>DocumentLibraryForm</Display>
+  <Edit>DocumentLibraryForm</Edit>
+  <New>DocumentLibraryForm</New>
+</FormTemplates>
+</file>
+
+<file path=customXml/item3.xml><?xml version="1.0" encoding="utf-8"?>
+<p:properties xmlns:p="http://schemas.microsoft.com/office/2006/metadata/properties" xmlns:xsi="http://www.w3.org/2001/XMLSchema-instance" xmlns:pc="http://schemas.microsoft.com/office/infopath/2007/PartnerControls">
+  <documentManagement/>
+</p:properties>
+</file>
+
 <file path=customXml/itemProps1.xml><?xml version="1.0" encoding="utf-8"?>
-<ds:datastoreItem xmlns:ds="http://schemas.openxmlformats.org/officeDocument/2006/customXml" ds:itemID="{CA7F0F3B-1D69-4071-934C-7373F1C638FD}">
+<ds:datastoreItem xmlns:ds="http://schemas.openxmlformats.org/officeDocument/2006/customXml" ds:itemID="{D1FC5151-73AF-4992-B300-816A43C7C293}">
   <ds:schemaRefs>
+    <ds:schemaRef ds:uri="http://schemas.microsoft.com/office/2006/metadata/contentType"/>
+    <ds:schemaRef ds:uri="http://schemas.microsoft.com/office/2006/metadata/properties/metaAttributes"/>
+    <ds:schemaRef ds:uri="http://www.w3.org/2001/XMLSchema"/>
     <ds:schemaRef ds:uri="http://schemas.microsoft.com/office/2006/metadata/properties"/>
+    <ds:schemaRef ds:uri="http://schemas.openxmlformats.org/package/2006/metadata/core-properties"/>
+    <ds:schemaRef ds:uri="http://purl.org/dc/elements/1.1/"/>
+    <ds:schemaRef ds:uri="http://purl.org/dc/terms/"/>
+    <ds:schemaRef ds:uri="http://schemas.microsoft.com/internal/obd"/>
     <ds:schemaRef ds:uri="http://schemas.microsoft.com/office/infopath/2007/PartnerControls"/>
   </ds:schemaRefs>
 </ds:datastoreItem>
@@ -23993,16 +24086,9 @@
 </file>
 
 <file path=customXml/itemProps3.xml><?xml version="1.0" encoding="utf-8"?>
-<ds:datastoreItem xmlns:ds="http://schemas.openxmlformats.org/officeDocument/2006/customXml" ds:itemID="{D1FC5151-73AF-4992-B300-816A43C7C293}">
+<ds:datastoreItem xmlns:ds="http://schemas.openxmlformats.org/officeDocument/2006/customXml" ds:itemID="{CA7F0F3B-1D69-4071-934C-7373F1C638FD}">
   <ds:schemaRefs>
-    <ds:schemaRef ds:uri="http://schemas.microsoft.com/office/2006/metadata/contentType"/>
-    <ds:schemaRef ds:uri="http://schemas.microsoft.com/office/2006/metadata/properties/metaAttributes"/>
-    <ds:schemaRef ds:uri="http://www.w3.org/2001/XMLSchema"/>
     <ds:schemaRef ds:uri="http://schemas.microsoft.com/office/2006/metadata/properties"/>
-    <ds:schemaRef ds:uri="http://schemas.openxmlformats.org/package/2006/metadata/core-properties"/>
-    <ds:schemaRef ds:uri="http://purl.org/dc/elements/1.1/"/>
-    <ds:schemaRef ds:uri="http://purl.org/dc/terms/"/>
-    <ds:schemaRef ds:uri="http://schemas.microsoft.com/internal/obd"/>
     <ds:schemaRef ds:uri="http://schemas.microsoft.com/office/infopath/2007/PartnerControls"/>
   </ds:schemaRefs>
 </ds:datastoreItem>
